--- a/Presentation/Project One Presentation.pptx
+++ b/Presentation/Project One Presentation.pptx
@@ -8,12 +8,12 @@
     <p:sldId id="256" r:id="rId2"/>
     <p:sldId id="257" r:id="rId3"/>
     <p:sldId id="258" r:id="rId4"/>
-    <p:sldId id="265" r:id="rId5"/>
-    <p:sldId id="261" r:id="rId6"/>
-    <p:sldId id="260" r:id="rId7"/>
-    <p:sldId id="262" r:id="rId8"/>
-    <p:sldId id="259" r:id="rId9"/>
-    <p:sldId id="263" r:id="rId10"/>
+    <p:sldId id="263" r:id="rId5"/>
+    <p:sldId id="265" r:id="rId6"/>
+    <p:sldId id="261" r:id="rId7"/>
+    <p:sldId id="260" r:id="rId8"/>
+    <p:sldId id="262" r:id="rId9"/>
+    <p:sldId id="259" r:id="rId10"/>
     <p:sldId id="264" r:id="rId11"/>
   </p:sldIdLst>
   <p:sldSz cx="9144000" cy="6858000" type="screen4x3"/>
@@ -6653,6 +6653,208 @@
       </p:grpSpPr>
       <p:sp>
         <p:nvSpPr>
+          <p:cNvPr id="2" name="Subtitle 1"/>
+          <p:cNvSpPr>
+            <a:spLocks noGrp="1"/>
+          </p:cNvSpPr>
+          <p:nvPr>
+            <p:ph type="subTitle" idx="1"/>
+          </p:nvPr>
+        </p:nvSpPr>
+        <p:spPr>
+          <a:xfrm>
+            <a:off x="1371600" y="2577737"/>
+            <a:ext cx="6400800" cy="3565887"/>
+          </a:xfrm>
+        </p:spPr>
+        <p:txBody>
+          <a:bodyPr>
+            <a:normAutofit fontScale="92500" lnSpcReduction="20000"/>
+          </a:bodyPr>
+          <a:lstStyle/>
+          <a:p>
+            <a:pPr marL="274320" indent="-274320" algn="l">
+              <a:buFont typeface="Wingdings 2"/>
+              <a:buChar char=""/>
+            </a:pPr>
+            <a:r>
+              <a:rPr lang="en-US" sz="2700" b="0" dirty="0">
+                <a:solidFill>
+                  <a:schemeClr val="tx1"/>
+                </a:solidFill>
+              </a:rPr>
+              <a:t>Finding the Right </a:t>
+            </a:r>
+            <a:r>
+              <a:rPr lang="en-US" sz="2700" b="0" dirty="0" smtClean="0">
+                <a:solidFill>
+                  <a:schemeClr val="tx1"/>
+                </a:solidFill>
+              </a:rPr>
+              <a:t>and Free APIs</a:t>
+            </a:r>
+          </a:p>
+          <a:p>
+            <a:pPr marL="274320" indent="-274320" algn="l">
+              <a:buFont typeface="Wingdings 2"/>
+              <a:buChar char=""/>
+            </a:pPr>
+            <a:r>
+              <a:rPr lang="en-US" sz="2700" b="0" dirty="0" smtClean="0">
+                <a:solidFill>
+                  <a:schemeClr val="tx1"/>
+                </a:solidFill>
+              </a:rPr>
+              <a:t>Understand new data format </a:t>
+            </a:r>
+            <a:r>
+              <a:rPr lang="en-US" sz="2700" b="0" smtClean="0">
+                <a:solidFill>
+                  <a:schemeClr val="tx1"/>
+                </a:solidFill>
+              </a:rPr>
+              <a:t>for </a:t>
+            </a:r>
+            <a:r>
+              <a:rPr lang="en-US" sz="2700" b="0" smtClean="0">
+                <a:solidFill>
+                  <a:schemeClr val="tx1"/>
+                </a:solidFill>
+              </a:rPr>
+              <a:t>parsing </a:t>
+            </a:r>
+            <a:r>
+              <a:rPr lang="en-US" sz="2700" b="0" dirty="0" smtClean="0">
+                <a:solidFill>
+                  <a:schemeClr val="tx1"/>
+                </a:solidFill>
+              </a:rPr>
+              <a:t>XML</a:t>
+            </a:r>
+          </a:p>
+          <a:p>
+            <a:pPr marL="274320" indent="-274320" algn="l">
+              <a:buFont typeface="Wingdings 2"/>
+              <a:buChar char=""/>
+            </a:pPr>
+            <a:r>
+              <a:rPr lang="en-US" sz="2700" b="0" dirty="0" smtClean="0">
+                <a:solidFill>
+                  <a:schemeClr val="tx1"/>
+                </a:solidFill>
+              </a:rPr>
+              <a:t>Assumptions on what Certain groups of people value</a:t>
+            </a:r>
+          </a:p>
+          <a:p>
+            <a:pPr marL="274320" indent="-274320" algn="l">
+              <a:buFont typeface="Wingdings 2"/>
+              <a:buChar char=""/>
+            </a:pPr>
+            <a:r>
+              <a:rPr lang="en-US" sz="2700" b="0" dirty="0" smtClean="0">
+                <a:solidFill>
+                  <a:schemeClr val="tx1"/>
+                </a:solidFill>
+              </a:rPr>
+              <a:t>Standardizing Ratings</a:t>
+            </a:r>
+          </a:p>
+          <a:p>
+            <a:pPr marL="274320" indent="-274320" algn="l">
+              <a:buFont typeface="Wingdings 2"/>
+              <a:buChar char=""/>
+            </a:pPr>
+            <a:r>
+              <a:rPr lang="en-US" sz="2700" b="0" dirty="0" smtClean="0">
+                <a:solidFill>
+                  <a:schemeClr val="tx1"/>
+                </a:solidFill>
+              </a:rPr>
+              <a:t>Learning new packages like Folium</a:t>
+            </a:r>
+            <a:endParaRPr lang="en-US" sz="2700" b="0" dirty="0">
+              <a:solidFill>
+                <a:schemeClr val="tx1"/>
+              </a:solidFill>
+            </a:endParaRPr>
+          </a:p>
+          <a:p>
+            <a:pPr marL="285750" indent="-285750" algn="l">
+              <a:buFont typeface="Arial"/>
+              <a:buChar char="•"/>
+            </a:pPr>
+            <a:endParaRPr lang="en-US" dirty="0"/>
+          </a:p>
+        </p:txBody>
+      </p:sp>
+      <p:sp>
+        <p:nvSpPr>
+          <p:cNvPr id="3" name="Title 2"/>
+          <p:cNvSpPr>
+            <a:spLocks noGrp="1"/>
+          </p:cNvSpPr>
+          <p:nvPr>
+            <p:ph type="ctrTitle"/>
+          </p:nvPr>
+        </p:nvSpPr>
+        <p:spPr>
+          <a:xfrm>
+            <a:off x="158750" y="381000"/>
+            <a:ext cx="8763000" cy="1752600"/>
+          </a:xfrm>
+        </p:spPr>
+        <p:txBody>
+          <a:bodyPr vert="horz" anchor="b">
+            <a:normAutofit/>
+          </a:bodyPr>
+          <a:lstStyle/>
+          <a:p>
+            <a:r>
+              <a:rPr lang="en-US" sz="4400" dirty="0">
+                <a:solidFill>
+                  <a:schemeClr val="accent3">
+                    <a:shade val="75000"/>
+                  </a:schemeClr>
+                </a:solidFill>
+              </a:rPr>
+              <a:t>Data Exploration and Clean Up</a:t>
+            </a:r>
+          </a:p>
+        </p:txBody>
+      </p:sp>
+    </p:spTree>
+    <p:extLst>
+      <p:ext uri="{BB962C8B-B14F-4D97-AF65-F5344CB8AC3E}">
+        <p14:creationId xmlns:p14="http://schemas.microsoft.com/office/powerpoint/2010/main" val="2613698595"/>
+      </p:ext>
+    </p:extLst>
+  </p:cSld>
+  <p:clrMapOvr>
+    <a:masterClrMapping/>
+  </p:clrMapOvr>
+</p:sld>
+</file>
+
+<file path=ppt/slides/slide5.xml><?xml version="1.0" encoding="utf-8"?>
+<p:sld xmlns:a="http://schemas.openxmlformats.org/drawingml/2006/main" xmlns:r="http://schemas.openxmlformats.org/officeDocument/2006/relationships" xmlns:p="http://schemas.openxmlformats.org/presentationml/2006/main">
+  <p:cSld>
+    <p:spTree>
+      <p:nvGrpSpPr>
+        <p:cNvPr id="1" name=""/>
+        <p:cNvGrpSpPr/>
+        <p:nvPr/>
+      </p:nvGrpSpPr>
+      <p:grpSpPr>
+        <a:xfrm>
+          <a:off x="0" y="0"/>
+          <a:ext cx="0" cy="0"/>
+          <a:chOff x="0" y="0"/>
+          <a:chExt cx="0" cy="0"/>
+        </a:xfrm>
+      </p:grpSpPr>
+      <p:sp>
+        <p:nvSpPr>
           <p:cNvPr id="2" name="Title 1"/>
           <p:cNvSpPr>
             <a:spLocks noGrp="1"/>
@@ -6722,7 +6924,7 @@
 </p:sld>
 </file>
 
-<file path=ppt/slides/slide5.xml><?xml version="1.0" encoding="utf-8"?>
+<file path=ppt/slides/slide6.xml><?xml version="1.0" encoding="utf-8"?>
 <p:sld xmlns:a="http://schemas.openxmlformats.org/drawingml/2006/main" xmlns:r="http://schemas.openxmlformats.org/officeDocument/2006/relationships" xmlns:p="http://schemas.openxmlformats.org/presentationml/2006/main">
   <p:cSld>
     <p:spTree>
@@ -6810,7 +7012,7 @@
 </p:sld>
 </file>
 
-<file path=ppt/slides/slide6.xml><?xml version="1.0" encoding="utf-8"?>
+<file path=ppt/slides/slide7.xml><?xml version="1.0" encoding="utf-8"?>
 <p:sld xmlns:a="http://schemas.openxmlformats.org/drawingml/2006/main" xmlns:r="http://schemas.openxmlformats.org/officeDocument/2006/relationships" xmlns:p="http://schemas.openxmlformats.org/presentationml/2006/main">
   <p:cSld>
     <p:spTree>
@@ -6892,104 +7094,6 @@
     <p:extLst>
       <p:ext uri="{BB962C8B-B14F-4D97-AF65-F5344CB8AC3E}">
         <p14:creationId xmlns:p14="http://schemas.microsoft.com/office/powerpoint/2010/main" val="3265389116"/>
-      </p:ext>
-    </p:extLst>
-  </p:cSld>
-  <p:clrMapOvr>
-    <a:masterClrMapping/>
-  </p:clrMapOvr>
-  <p:timing>
-    <p:tnLst>
-      <p:par>
-        <p:cTn id="1" dur="indefinite" restart="never" nodeType="tmRoot"/>
-      </p:par>
-    </p:tnLst>
-  </p:timing>
-</p:sld>
-</file>
-
-<file path=ppt/slides/slide7.xml><?xml version="1.0" encoding="utf-8"?>
-<p:sld xmlns:a="http://schemas.openxmlformats.org/drawingml/2006/main" xmlns:r="http://schemas.openxmlformats.org/officeDocument/2006/relationships" xmlns:p="http://schemas.openxmlformats.org/presentationml/2006/main">
-  <p:cSld>
-    <p:spTree>
-      <p:nvGrpSpPr>
-        <p:cNvPr id="1" name=""/>
-        <p:cNvGrpSpPr/>
-        <p:nvPr/>
-      </p:nvGrpSpPr>
-      <p:grpSpPr>
-        <a:xfrm>
-          <a:off x="0" y="0"/>
-          <a:ext cx="0" cy="0"/>
-          <a:chOff x="0" y="0"/>
-          <a:chExt cx="0" cy="0"/>
-        </a:xfrm>
-      </p:grpSpPr>
-      <p:sp>
-        <p:nvSpPr>
-          <p:cNvPr id="2" name="Title 1"/>
-          <p:cNvSpPr>
-            <a:spLocks noGrp="1"/>
-          </p:cNvSpPr>
-          <p:nvPr>
-            <p:ph type="title"/>
-          </p:nvPr>
-        </p:nvSpPr>
-        <p:spPr>
-          <a:xfrm>
-            <a:off x="301752" y="367937"/>
-            <a:ext cx="8534400" cy="758952"/>
-          </a:xfrm>
-        </p:spPr>
-        <p:txBody>
-          <a:bodyPr>
-            <a:normAutofit fontScale="90000"/>
-          </a:bodyPr>
-          <a:lstStyle/>
-          <a:p>
-            <a:r>
-              <a:rPr lang="en-US" dirty="0" smtClean="0"/>
-              <a:t>Example map for a single based on counts and Bar chart based on ratings</a:t>
-            </a:r>
-            <a:endParaRPr lang="en-US" dirty="0"/>
-          </a:p>
-        </p:txBody>
-      </p:sp>
-      <p:pic>
-        <p:nvPicPr>
-          <p:cNvPr id="4" name="Content Placeholder 3">
-            <a:hlinkClick r:id="rId2" action="ppaction://hlinkfile"/>
-          </p:cNvPr>
-          <p:cNvPicPr>
-            <a:picLocks noGrp="1" noChangeAspect="1"/>
-          </p:cNvPicPr>
-          <p:nvPr>
-            <p:ph sz="quarter" idx="1"/>
-          </p:nvPr>
-        </p:nvPicPr>
-        <p:blipFill>
-          <a:blip r:embed="rId3">
-            <a:extLst>
-              <a:ext uri="{28A0092B-C50C-407E-A947-70E740481C1C}">
-                <a14:useLocalDpi xmlns:a14="http://schemas.microsoft.com/office/drawing/2010/main" val="0"/>
-              </a:ext>
-            </a:extLst>
-          </a:blip>
-          <a:stretch>
-            <a:fillRect/>
-          </a:stretch>
-        </p:blipFill>
-        <p:spPr>
-          <a:xfrm>
-            <a:off x="301752" y="1754307"/>
-            <a:ext cx="8503920" cy="4117481"/>
-          </a:xfrm>
-        </p:spPr>
-      </p:pic>
-    </p:spTree>
-    <p:extLst>
-      <p:ext uri="{BB962C8B-B14F-4D97-AF65-F5344CB8AC3E}">
-        <p14:creationId xmlns:p14="http://schemas.microsoft.com/office/powerpoint/2010/main" val="920381855"/>
       </p:ext>
     </p:extLst>
   </p:cSld>
@@ -7023,43 +7127,47 @@
           <a:chExt cx="0" cy="0"/>
         </a:xfrm>
       </p:grpSpPr>
+      <p:sp>
+        <p:nvSpPr>
+          <p:cNvPr id="2" name="Title 1"/>
+          <p:cNvSpPr>
+            <a:spLocks noGrp="1"/>
+          </p:cNvSpPr>
+          <p:nvPr>
+            <p:ph type="title"/>
+          </p:nvPr>
+        </p:nvSpPr>
+        <p:spPr>
+          <a:xfrm>
+            <a:off x="301752" y="367937"/>
+            <a:ext cx="8534400" cy="758952"/>
+          </a:xfrm>
+        </p:spPr>
+        <p:txBody>
+          <a:bodyPr>
+            <a:normAutofit fontScale="90000"/>
+          </a:bodyPr>
+          <a:lstStyle/>
+          <a:p>
+            <a:r>
+              <a:rPr lang="en-US" dirty="0" smtClean="0"/>
+              <a:t>Example map for a single based on counts and Bar chart based on ratings</a:t>
+            </a:r>
+            <a:endParaRPr lang="en-US" dirty="0"/>
+          </a:p>
+        </p:txBody>
+      </p:sp>
       <p:pic>
         <p:nvPicPr>
-          <p:cNvPr id="3" name="Picture 2" descr="nightlife_pie.png"/>
+          <p:cNvPr id="4" name="Content Placeholder 3">
+            <a:hlinkClick r:id="rId2" action="ppaction://hlinkfile"/>
+          </p:cNvPr>
           <p:cNvPicPr>
-            <a:picLocks noChangeAspect="1"/>
+            <a:picLocks noGrp="1" noChangeAspect="1"/>
           </p:cNvPicPr>
-          <p:nvPr/>
-        </p:nvPicPr>
-        <p:blipFill>
-          <a:blip r:embed="rId2">
-            <a:extLst>
-              <a:ext uri="{28A0092B-C50C-407E-A947-70E740481C1C}">
-                <a14:useLocalDpi xmlns:a14="http://schemas.microsoft.com/office/drawing/2010/main" val="0"/>
-              </a:ext>
-            </a:extLst>
-          </a:blip>
-          <a:stretch>
-            <a:fillRect/>
-          </a:stretch>
-        </p:blipFill>
-        <p:spPr>
-          <a:xfrm>
-            <a:off x="444500" y="317500"/>
-            <a:ext cx="4076700" cy="2717800"/>
-          </a:xfrm>
-          <a:prstGeom prst="rect">
-            <a:avLst/>
-          </a:prstGeom>
-        </p:spPr>
-      </p:pic>
-      <p:pic>
-        <p:nvPicPr>
-          <p:cNvPr id="2" name="Picture 1" descr="Top Five zip Code for nightlife.png"/>
-          <p:cNvPicPr>
-            <a:picLocks noChangeAspect="1"/>
-          </p:cNvPicPr>
-          <p:nvPr/>
+          <p:nvPr>
+            <p:ph sz="quarter" idx="1"/>
+          </p:nvPr>
         </p:nvPicPr>
         <p:blipFill>
           <a:blip r:embed="rId3">
@@ -7075,49 +7183,15 @@
         </p:blipFill>
         <p:spPr>
           <a:xfrm>
-            <a:off x="653372" y="2717800"/>
-            <a:ext cx="8245926" cy="3848099"/>
-          </a:xfrm>
-          <a:prstGeom prst="rect">
-            <a:avLst/>
-          </a:prstGeom>
+            <a:off x="301752" y="1754307"/>
+            <a:ext cx="8503920" cy="4117481"/>
+          </a:xfrm>
         </p:spPr>
       </p:pic>
-      <p:sp>
-        <p:nvSpPr>
-          <p:cNvPr id="4" name="TextBox 3"/>
-          <p:cNvSpPr txBox="1"/>
-          <p:nvPr/>
-        </p:nvSpPr>
-        <p:spPr>
-          <a:xfrm>
-            <a:off x="4159250" y="1206500"/>
-            <a:ext cx="4286250" cy="584776"/>
-          </a:xfrm>
-          <a:prstGeom prst="rect">
-            <a:avLst/>
-          </a:prstGeom>
-          <a:noFill/>
-        </p:spPr>
-        <p:txBody>
-          <a:bodyPr wrap="square" rtlCol="0">
-            <a:spAutoFit/>
-          </a:bodyPr>
-          <a:lstStyle/>
-          <a:p>
-            <a:pPr algn="ctr"/>
-            <a:r>
-              <a:rPr lang="en-US" sz="3200" dirty="0" smtClean="0"/>
-              <a:t>Nightlife Findings</a:t>
-            </a:r>
-            <a:endParaRPr lang="en-US" sz="3200" dirty="0"/>
-          </a:p>
-        </p:txBody>
-      </p:sp>
     </p:spTree>
     <p:extLst>
       <p:ext uri="{BB962C8B-B14F-4D97-AF65-F5344CB8AC3E}">
-        <p14:creationId xmlns:p14="http://schemas.microsoft.com/office/powerpoint/2010/main" val="3526256385"/>
+        <p14:creationId xmlns:p14="http://schemas.microsoft.com/office/powerpoint/2010/main" val="920381855"/>
       </p:ext>
     </p:extLst>
   </p:cSld>
@@ -7151,164 +7225,114 @@
           <a:chExt cx="0" cy="0"/>
         </a:xfrm>
       </p:grpSpPr>
-      <p:sp>
-        <p:nvSpPr>
-          <p:cNvPr id="2" name="Subtitle 1"/>
-          <p:cNvSpPr>
-            <a:spLocks noGrp="1"/>
-          </p:cNvSpPr>
-          <p:nvPr>
-            <p:ph type="subTitle" idx="1"/>
-          </p:nvPr>
-        </p:nvSpPr>
+      <p:pic>
+        <p:nvPicPr>
+          <p:cNvPr id="3" name="Picture 2" descr="nightlife_pie.png"/>
+          <p:cNvPicPr>
+            <a:picLocks noChangeAspect="1"/>
+          </p:cNvPicPr>
+          <p:nvPr/>
+        </p:nvPicPr>
+        <p:blipFill>
+          <a:blip r:embed="rId2">
+            <a:extLst>
+              <a:ext uri="{28A0092B-C50C-407E-A947-70E740481C1C}">
+                <a14:useLocalDpi xmlns:a14="http://schemas.microsoft.com/office/drawing/2010/main" val="0"/>
+              </a:ext>
+            </a:extLst>
+          </a:blip>
+          <a:stretch>
+            <a:fillRect/>
+          </a:stretch>
+        </p:blipFill>
         <p:spPr>
           <a:xfrm>
-            <a:off x="1371600" y="2577737"/>
-            <a:ext cx="6400800" cy="3565887"/>
-          </a:xfrm>
-        </p:spPr>
-        <p:txBody>
-          <a:bodyPr>
-            <a:normAutofit fontScale="92500" lnSpcReduction="20000"/>
+            <a:off x="444500" y="317500"/>
+            <a:ext cx="4076700" cy="2717800"/>
+          </a:xfrm>
+          <a:prstGeom prst="rect">
+            <a:avLst/>
+          </a:prstGeom>
+        </p:spPr>
+      </p:pic>
+      <p:pic>
+        <p:nvPicPr>
+          <p:cNvPr id="2" name="Picture 1" descr="Top Five zip Code for nightlife.png"/>
+          <p:cNvPicPr>
+            <a:picLocks noChangeAspect="1"/>
+          </p:cNvPicPr>
+          <p:nvPr/>
+        </p:nvPicPr>
+        <p:blipFill>
+          <a:blip r:embed="rId3">
+            <a:extLst>
+              <a:ext uri="{28A0092B-C50C-407E-A947-70E740481C1C}">
+                <a14:useLocalDpi xmlns:a14="http://schemas.microsoft.com/office/drawing/2010/main" val="0"/>
+              </a:ext>
+            </a:extLst>
+          </a:blip>
+          <a:stretch>
+            <a:fillRect/>
+          </a:stretch>
+        </p:blipFill>
+        <p:spPr>
+          <a:xfrm>
+            <a:off x="653372" y="2717800"/>
+            <a:ext cx="8245926" cy="3848099"/>
+          </a:xfrm>
+          <a:prstGeom prst="rect">
+            <a:avLst/>
+          </a:prstGeom>
+        </p:spPr>
+      </p:pic>
+      <p:sp>
+        <p:nvSpPr>
+          <p:cNvPr id="4" name="TextBox 3"/>
+          <p:cNvSpPr txBox="1"/>
+          <p:nvPr/>
+        </p:nvSpPr>
+        <p:spPr>
+          <a:xfrm>
+            <a:off x="4159250" y="1206500"/>
+            <a:ext cx="4286250" cy="584776"/>
+          </a:xfrm>
+          <a:prstGeom prst="rect">
+            <a:avLst/>
+          </a:prstGeom>
+          <a:noFill/>
+        </p:spPr>
+        <p:txBody>
+          <a:bodyPr wrap="square" rtlCol="0">
+            <a:spAutoFit/>
           </a:bodyPr>
           <a:lstStyle/>
           <a:p>
-            <a:pPr marL="274320" indent="-274320" algn="l">
-              <a:buFont typeface="Wingdings 2"/>
-              <a:buChar char=""/>
-            </a:pPr>
-            <a:r>
-              <a:rPr lang="en-US" sz="2700" b="0" dirty="0">
-                <a:solidFill>
-                  <a:schemeClr val="tx1"/>
-                </a:solidFill>
-              </a:rPr>
-              <a:t>Finding the Right </a:t>
-            </a:r>
-            <a:r>
-              <a:rPr lang="en-US" sz="2700" b="0" dirty="0" smtClean="0">
-                <a:solidFill>
-                  <a:schemeClr val="tx1"/>
-                </a:solidFill>
-              </a:rPr>
-              <a:t>and Free APIs</a:t>
-            </a:r>
-          </a:p>
-          <a:p>
-            <a:pPr marL="274320" indent="-274320" algn="l">
-              <a:buFont typeface="Wingdings 2"/>
-              <a:buChar char=""/>
-            </a:pPr>
-            <a:r>
-              <a:rPr lang="en-US" sz="2700" b="0" dirty="0" smtClean="0">
-                <a:solidFill>
-                  <a:schemeClr val="tx1"/>
-                </a:solidFill>
-              </a:rPr>
-              <a:t>Understand new data format for parsing ex. XML</a:t>
-            </a:r>
-          </a:p>
-          <a:p>
-            <a:pPr marL="274320" indent="-274320" algn="l">
-              <a:buFont typeface="Wingdings 2"/>
-              <a:buChar char=""/>
-            </a:pPr>
-            <a:r>
-              <a:rPr lang="en-US" sz="2700" b="0" dirty="0" smtClean="0">
-                <a:solidFill>
-                  <a:schemeClr val="tx1"/>
-                </a:solidFill>
-              </a:rPr>
-              <a:t>Assumptions on what Certain groups of people value</a:t>
-            </a:r>
-          </a:p>
-          <a:p>
-            <a:pPr marL="274320" indent="-274320" algn="l">
-              <a:buFont typeface="Wingdings 2"/>
-              <a:buChar char=""/>
-            </a:pPr>
-            <a:r>
-              <a:rPr lang="en-US" sz="2700" b="0" dirty="0" smtClean="0">
-                <a:solidFill>
-                  <a:schemeClr val="tx1"/>
-                </a:solidFill>
-              </a:rPr>
-              <a:t>Standardizing Ratings</a:t>
-            </a:r>
-          </a:p>
-          <a:p>
-            <a:pPr marL="274320" indent="-274320" algn="l">
-              <a:buFont typeface="Wingdings 2"/>
-              <a:buChar char=""/>
-            </a:pPr>
-            <a:r>
-              <a:rPr lang="en-US" sz="2700" b="0" dirty="0" smtClean="0">
-                <a:solidFill>
-                  <a:schemeClr val="tx1"/>
-                </a:solidFill>
-              </a:rPr>
-              <a:t>Learning new packages like Folium</a:t>
-            </a:r>
-            <a:endParaRPr lang="en-US" sz="2700" b="0" dirty="0">
-              <a:solidFill>
-                <a:schemeClr val="tx1"/>
-              </a:solidFill>
-            </a:endParaRPr>
-          </a:p>
-          <a:p>
-            <a:pPr marL="285750" indent="-285750" algn="l">
-              <a:buFont typeface="Arial"/>
-              <a:buChar char="•"/>
-            </a:pPr>
-            <a:endParaRPr lang="en-US" dirty="0"/>
-          </a:p>
-        </p:txBody>
-      </p:sp>
-      <p:sp>
-        <p:nvSpPr>
-          <p:cNvPr id="3" name="Title 2"/>
-          <p:cNvSpPr>
-            <a:spLocks noGrp="1"/>
-          </p:cNvSpPr>
-          <p:nvPr>
-            <p:ph type="ctrTitle"/>
-          </p:nvPr>
-        </p:nvSpPr>
-        <p:spPr>
-          <a:xfrm>
-            <a:off x="158750" y="381000"/>
-            <a:ext cx="8763000" cy="1752600"/>
-          </a:xfrm>
-        </p:spPr>
-        <p:txBody>
-          <a:bodyPr vert="horz" anchor="b">
-            <a:normAutofit/>
-          </a:bodyPr>
-          <a:lstStyle/>
-          <a:p>
-            <a:r>
-              <a:rPr lang="en-US" sz="4400" dirty="0">
-                <a:solidFill>
-                  <a:schemeClr val="accent3">
-                    <a:shade val="75000"/>
-                  </a:schemeClr>
-                </a:solidFill>
-              </a:rPr>
-              <a:t>Data Exploration and Clean Up</a:t>
-            </a:r>
+            <a:pPr algn="ctr"/>
+            <a:r>
+              <a:rPr lang="en-US" sz="3200" dirty="0" smtClean="0"/>
+              <a:t>Nightlife Findings</a:t>
+            </a:r>
+            <a:endParaRPr lang="en-US" sz="3200" dirty="0"/>
           </a:p>
         </p:txBody>
       </p:sp>
     </p:spTree>
     <p:extLst>
       <p:ext uri="{BB962C8B-B14F-4D97-AF65-F5344CB8AC3E}">
-        <p14:creationId xmlns:p14="http://schemas.microsoft.com/office/powerpoint/2010/main" val="2613698595"/>
+        <p14:creationId xmlns:p14="http://schemas.microsoft.com/office/powerpoint/2010/main" val="3526256385"/>
       </p:ext>
     </p:extLst>
   </p:cSld>
   <p:clrMapOvr>
     <a:masterClrMapping/>
   </p:clrMapOvr>
+  <p:timing>
+    <p:tnLst>
+      <p:par>
+        <p:cTn id="1" dur="indefinite" restart="never" nodeType="tmRoot"/>
+      </p:par>
+    </p:tnLst>
+  </p:timing>
 </p:sld>
 </file>
 
